--- a/apresentacoes/03.07 - DIO - Trilha - Java Sintaxe - Palavras reservadas.pptx
+++ b/apresentacoes/03.07 - DIO - Trilha - Java Sintaxe - Palavras reservadas.pptx
@@ -278,7 +278,7 @@
       </p15:sldGuideLst>
     </p:ext>
     <p:ext uri="http://customooxmlschemas.google.com/">
-      <go:slidesCustomData xmlns:go="http://customooxmlschemas.google.com/" xmlns:ahyp="http://schemas.microsoft.com/office/drawing/2018/hyperlinkcolor" xmlns:p15="http://schemas.microsoft.com/office/powerpoint/2012/main" xmlns:p14="http://schemas.microsoft.com/office/powerpoint/2010/main" xmlns:com="http://schemas.openxmlformats.org/drawingml/2006/compatibility" xmlns:pvml="urn:schemas-microsoft-com:office:powerpoint" xmlns:v="urn:schemas-microsoft-com:vml" xmlns:o="urn:schemas-microsoft-com:office:office" xmlns:dgm="http://schemas.openxmlformats.org/drawingml/2006/diagram" xmlns:c="http://schemas.openxmlformats.org/drawingml/2006/chart" xmlns:mv="urn:schemas-microsoft-com:mac:vml" xmlns:mc="http://schemas.openxmlformats.org/markup-compatibility/2006" xmlns="" r:id="rId34" roundtripDataSignature="AMtx7mgtC6RReGa0UWk9iwQjmNzrBPMGWQ=="/>
+      <go:slidesCustomData xmlns="" xmlns:mc="http://schemas.openxmlformats.org/markup-compatibility/2006" xmlns:mv="urn:schemas-microsoft-com:mac:vml" xmlns:c="http://schemas.openxmlformats.org/drawingml/2006/chart" xmlns:dgm="http://schemas.openxmlformats.org/drawingml/2006/diagram" xmlns:o="urn:schemas-microsoft-com:office:office" xmlns:v="urn:schemas-microsoft-com:vml" xmlns:pvml="urn:schemas-microsoft-com:office:powerpoint" xmlns:com="http://schemas.openxmlformats.org/drawingml/2006/compatibility" xmlns:p14="http://schemas.microsoft.com/office/powerpoint/2010/main" xmlns:p15="http://schemas.microsoft.com/office/powerpoint/2012/main" xmlns:ahyp="http://schemas.microsoft.com/office/drawing/2018/hyperlinkcolor" xmlns:go="http://customooxmlschemas.google.com/" r:id="rId34" roundtripDataSignature="AMtx7mgtC6RReGa0UWk9iwQjmNzrBPMGWQ=="/>
     </p:ext>
   </p:extLst>
 </p:presentation>
@@ -3241,7 +3241,7 @@
         <p:fade/>
       </p:transition>
     </mc:Choice>
-    <mc:Fallback xmlns:ahyp="http://schemas.microsoft.com/office/drawing/2018/hyperlinkcolor" xmlns:p15="http://schemas.microsoft.com/office/powerpoint/2012/main" xmlns:com="http://schemas.openxmlformats.org/drawingml/2006/compatibility" xmlns:pvml="urn:schemas-microsoft-com:office:powerpoint" xmlns:v="urn:schemas-microsoft-com:vml" xmlns:o="urn:schemas-microsoft-com:office:office" xmlns:dgm="http://schemas.openxmlformats.org/drawingml/2006/diagram" xmlns:c="http://schemas.openxmlformats.org/drawingml/2006/chart" xmlns:mv="urn:schemas-microsoft-com:mac:vml" xmlns="">
+    <mc:Fallback xmlns="" xmlns:mv="urn:schemas-microsoft-com:mac:vml" xmlns:c="http://schemas.openxmlformats.org/drawingml/2006/chart" xmlns:dgm="http://schemas.openxmlformats.org/drawingml/2006/diagram" xmlns:o="urn:schemas-microsoft-com:office:office" xmlns:v="urn:schemas-microsoft-com:vml" xmlns:pvml="urn:schemas-microsoft-com:office:powerpoint" xmlns:com="http://schemas.openxmlformats.org/drawingml/2006/compatibility" xmlns:p15="http://schemas.microsoft.com/office/powerpoint/2012/main" xmlns:ahyp="http://schemas.microsoft.com/office/drawing/2018/hyperlinkcolor">
       <p:transition spd="slow">
         <p:fade/>
       </p:transition>
@@ -3326,29 +3326,7 @@
                 <a:latin typeface="Calibri" panose="020F0502020204030204" pitchFamily="34" charset="0"/>
                 <a:cs typeface="Calibri" panose="020F0502020204030204" pitchFamily="34" charset="0"/>
               </a:rPr>
-              <a:t>Apresentar as 52 palavras reservadas organizadas por classificação de usabilidade </a:t>
-            </a:r>
-            <a:r>
-              <a:rPr lang="pt-BR" sz="3200" b="0" i="0" dirty="0" err="1">
-                <a:solidFill>
-                  <a:srgbClr val="111111"/>
-                </a:solidFill>
-                <a:effectLst/>
-                <a:latin typeface="Calibri" panose="020F0502020204030204" pitchFamily="34" charset="0"/>
-                <a:cs typeface="Calibri" panose="020F0502020204030204" pitchFamily="34" charset="0"/>
-              </a:rPr>
-              <a:t>considerandos</a:t>
-            </a:r>
-            <a:r>
-              <a:rPr lang="pt-BR" sz="3200" b="0" i="0" dirty="0">
-                <a:solidFill>
-                  <a:srgbClr val="111111"/>
-                </a:solidFill>
-                <a:effectLst/>
-                <a:latin typeface="Calibri" panose="020F0502020204030204" pitchFamily="34" charset="0"/>
-                <a:cs typeface="Calibri" panose="020F0502020204030204" pitchFamily="34" charset="0"/>
-              </a:rPr>
-              <a:t> as regras da linguagem.</a:t>
+              <a:t>Apresentar as 52 palavras reservadas organizadas por classificação de usabilidade considerando as regras da linguagem.</a:t>
             </a:r>
             <a:endParaRPr lang="pt-BR" sz="2400" b="0" i="0" u="none" strike="noStrike" cap="none" dirty="0">
               <a:solidFill>
@@ -3439,7 +3417,7 @@
         <p:fade/>
       </p:transition>
     </mc:Choice>
-    <mc:Fallback xmlns:ahyp="http://schemas.microsoft.com/office/drawing/2018/hyperlinkcolor" xmlns:p15="http://schemas.microsoft.com/office/powerpoint/2012/main" xmlns:com="http://schemas.openxmlformats.org/drawingml/2006/compatibility" xmlns:pvml="urn:schemas-microsoft-com:office:powerpoint" xmlns:v="urn:schemas-microsoft-com:vml" xmlns:o="urn:schemas-microsoft-com:office:office" xmlns:dgm="http://schemas.openxmlformats.org/drawingml/2006/diagram" xmlns:c="http://schemas.openxmlformats.org/drawingml/2006/chart" xmlns:mv="urn:schemas-microsoft-com:mac:vml" xmlns="">
+    <mc:Fallback xmlns="" xmlns:mv="urn:schemas-microsoft-com:mac:vml" xmlns:c="http://schemas.openxmlformats.org/drawingml/2006/chart" xmlns:dgm="http://schemas.openxmlformats.org/drawingml/2006/diagram" xmlns:o="urn:schemas-microsoft-com:office:office" xmlns:v="urn:schemas-microsoft-com:vml" xmlns:pvml="urn:schemas-microsoft-com:office:powerpoint" xmlns:com="http://schemas.openxmlformats.org/drawingml/2006/compatibility" xmlns:p15="http://schemas.microsoft.com/office/powerpoint/2012/main" xmlns:ahyp="http://schemas.microsoft.com/office/drawing/2018/hyperlinkcolor">
       <p:transition spd="slow">
         <p:fade/>
       </p:transition>
@@ -3708,7 +3686,7 @@
         <p:fade/>
       </p:transition>
     </mc:Choice>
-    <mc:Fallback xmlns="" xmlns:mv="urn:schemas-microsoft-com:mac:vml" xmlns:c="http://schemas.openxmlformats.org/drawingml/2006/chart" xmlns:dgm="http://schemas.openxmlformats.org/drawingml/2006/diagram" xmlns:o="urn:schemas-microsoft-com:office:office" xmlns:v="urn:schemas-microsoft-com:vml" xmlns:pvml="urn:schemas-microsoft-com:office:powerpoint" xmlns:com="http://schemas.openxmlformats.org/drawingml/2006/compatibility" xmlns:p15="http://schemas.microsoft.com/office/powerpoint/2012/main" xmlns:ahyp="http://schemas.microsoft.com/office/drawing/2018/hyperlinkcolor">
+    <mc:Fallback xmlns:ahyp="http://schemas.microsoft.com/office/drawing/2018/hyperlinkcolor" xmlns:p15="http://schemas.microsoft.com/office/powerpoint/2012/main" xmlns:com="http://schemas.openxmlformats.org/drawingml/2006/compatibility" xmlns:pvml="urn:schemas-microsoft-com:office:powerpoint" xmlns:v="urn:schemas-microsoft-com:vml" xmlns:o="urn:schemas-microsoft-com:office:office" xmlns:dgm="http://schemas.openxmlformats.org/drawingml/2006/diagram" xmlns:c="http://schemas.openxmlformats.org/drawingml/2006/chart" xmlns:mv="urn:schemas-microsoft-com:mac:vml" xmlns="">
       <p:transition spd="slow">
         <p:fade/>
       </p:transition>
@@ -3957,7 +3935,7 @@
         <p:fade/>
       </p:transition>
     </mc:Choice>
-    <mc:Fallback xmlns:ahyp="http://schemas.microsoft.com/office/drawing/2018/hyperlinkcolor" xmlns:p15="http://schemas.microsoft.com/office/powerpoint/2012/main" xmlns:com="http://schemas.openxmlformats.org/drawingml/2006/compatibility" xmlns:pvml="urn:schemas-microsoft-com:office:powerpoint" xmlns:v="urn:schemas-microsoft-com:vml" xmlns:o="urn:schemas-microsoft-com:office:office" xmlns:dgm="http://schemas.openxmlformats.org/drawingml/2006/diagram" xmlns:c="http://schemas.openxmlformats.org/drawingml/2006/chart" xmlns:mv="urn:schemas-microsoft-com:mac:vml" xmlns="">
+    <mc:Fallback xmlns="" xmlns:mv="urn:schemas-microsoft-com:mac:vml" xmlns:c="http://schemas.openxmlformats.org/drawingml/2006/chart" xmlns:dgm="http://schemas.openxmlformats.org/drawingml/2006/diagram" xmlns:o="urn:schemas-microsoft-com:office:office" xmlns:v="urn:schemas-microsoft-com:vml" xmlns:pvml="urn:schemas-microsoft-com:office:powerpoint" xmlns:com="http://schemas.openxmlformats.org/drawingml/2006/compatibility" xmlns:p15="http://schemas.microsoft.com/office/powerpoint/2012/main" xmlns:ahyp="http://schemas.microsoft.com/office/drawing/2018/hyperlinkcolor">
       <p:transition spd="slow">
         <p:fade/>
       </p:transition>
@@ -4319,7 +4297,7 @@
         <p:fade/>
       </p:transition>
     </mc:Choice>
-    <mc:Fallback xmlns:ahyp="http://schemas.microsoft.com/office/drawing/2018/hyperlinkcolor" xmlns:p15="http://schemas.microsoft.com/office/powerpoint/2012/main" xmlns:com="http://schemas.openxmlformats.org/drawingml/2006/compatibility" xmlns:pvml="urn:schemas-microsoft-com:office:powerpoint" xmlns:v="urn:schemas-microsoft-com:vml" xmlns:o="urn:schemas-microsoft-com:office:office" xmlns:dgm="http://schemas.openxmlformats.org/drawingml/2006/diagram" xmlns:c="http://schemas.openxmlformats.org/drawingml/2006/chart" xmlns:mv="urn:schemas-microsoft-com:mac:vml" xmlns="">
+    <mc:Fallback xmlns="" xmlns:mv="urn:schemas-microsoft-com:mac:vml" xmlns:c="http://schemas.openxmlformats.org/drawingml/2006/chart" xmlns:dgm="http://schemas.openxmlformats.org/drawingml/2006/diagram" xmlns:o="urn:schemas-microsoft-com:office:office" xmlns:v="urn:schemas-microsoft-com:vml" xmlns:pvml="urn:schemas-microsoft-com:office:powerpoint" xmlns:com="http://schemas.openxmlformats.org/drawingml/2006/compatibility" xmlns:p15="http://schemas.microsoft.com/office/powerpoint/2012/main" xmlns:ahyp="http://schemas.microsoft.com/office/drawing/2018/hyperlinkcolor">
       <p:transition spd="slow">
         <p:fade/>
       </p:transition>
